--- a/JavaScript/Week2/Week 2.pptx
+++ b/JavaScript/Week2/Week 2.pptx
@@ -20,6 +20,14 @@
     <p:sldId id="268" r:id="rId14"/>
     <p:sldId id="269" r:id="rId15"/>
     <p:sldId id="270" r:id="rId16"/>
+    <p:sldId id="271" r:id="rId17"/>
+    <p:sldId id="272" r:id="rId18"/>
+    <p:sldId id="273" r:id="rId19"/>
+    <p:sldId id="274" r:id="rId20"/>
+    <p:sldId id="275" r:id="rId21"/>
+    <p:sldId id="276" r:id="rId22"/>
+    <p:sldId id="277" r:id="rId23"/>
+    <p:sldId id="278" r:id="rId24"/>
   </p:sldIdLst>
   <p:sldSz cx="12192000" cy="6858000"/>
   <p:notesSz cx="6858000" cy="9144000"/>
@@ -704,7 +712,7 @@
           <a:p>
             <a:fld id="{F28A4246-F2A7-4220-A405-8A96DAE08D6A}" type="datetimeFigureOut">
               <a:rPr lang="en-US" smtClean="0"/>
-              <a:t>9/9/2024</a:t>
+              <a:t>9/10/2024</a:t>
             </a:fld>
             <a:endParaRPr lang="en-US"/>
           </a:p>
@@ -874,7 +882,7 @@
           <a:p>
             <a:fld id="{F28A4246-F2A7-4220-A405-8A96DAE08D6A}" type="datetimeFigureOut">
               <a:rPr lang="en-US" smtClean="0"/>
-              <a:t>9/9/2024</a:t>
+              <a:t>9/10/2024</a:t>
             </a:fld>
             <a:endParaRPr lang="en-US"/>
           </a:p>
@@ -1054,7 +1062,7 @@
           <a:p>
             <a:fld id="{F28A4246-F2A7-4220-A405-8A96DAE08D6A}" type="datetimeFigureOut">
               <a:rPr lang="en-US" smtClean="0"/>
-              <a:t>9/9/2024</a:t>
+              <a:t>9/10/2024</a:t>
             </a:fld>
             <a:endParaRPr lang="en-US"/>
           </a:p>
@@ -1224,7 +1232,7 @@
           <a:p>
             <a:fld id="{F28A4246-F2A7-4220-A405-8A96DAE08D6A}" type="datetimeFigureOut">
               <a:rPr lang="en-US" smtClean="0"/>
-              <a:t>9/9/2024</a:t>
+              <a:t>9/10/2024</a:t>
             </a:fld>
             <a:endParaRPr lang="en-US"/>
           </a:p>
@@ -1470,7 +1478,7 @@
           <a:p>
             <a:fld id="{F28A4246-F2A7-4220-A405-8A96DAE08D6A}" type="datetimeFigureOut">
               <a:rPr lang="en-US" smtClean="0"/>
-              <a:t>9/9/2024</a:t>
+              <a:t>9/10/2024</a:t>
             </a:fld>
             <a:endParaRPr lang="en-US"/>
           </a:p>
@@ -1702,7 +1710,7 @@
           <a:p>
             <a:fld id="{F28A4246-F2A7-4220-A405-8A96DAE08D6A}" type="datetimeFigureOut">
               <a:rPr lang="en-US" smtClean="0"/>
-              <a:t>9/9/2024</a:t>
+              <a:t>9/10/2024</a:t>
             </a:fld>
             <a:endParaRPr lang="en-US"/>
           </a:p>
@@ -2069,7 +2077,7 @@
           <a:p>
             <a:fld id="{F28A4246-F2A7-4220-A405-8A96DAE08D6A}" type="datetimeFigureOut">
               <a:rPr lang="en-US" smtClean="0"/>
-              <a:t>9/9/2024</a:t>
+              <a:t>9/10/2024</a:t>
             </a:fld>
             <a:endParaRPr lang="en-US"/>
           </a:p>
@@ -2187,7 +2195,7 @@
           <a:p>
             <a:fld id="{F28A4246-F2A7-4220-A405-8A96DAE08D6A}" type="datetimeFigureOut">
               <a:rPr lang="en-US" smtClean="0"/>
-              <a:t>9/9/2024</a:t>
+              <a:t>9/10/2024</a:t>
             </a:fld>
             <a:endParaRPr lang="en-US"/>
           </a:p>
@@ -2282,7 +2290,7 @@
           <a:p>
             <a:fld id="{F28A4246-F2A7-4220-A405-8A96DAE08D6A}" type="datetimeFigureOut">
               <a:rPr lang="en-US" smtClean="0"/>
-              <a:t>9/9/2024</a:t>
+              <a:t>9/10/2024</a:t>
             </a:fld>
             <a:endParaRPr lang="en-US"/>
           </a:p>
@@ -2559,7 +2567,7 @@
           <a:p>
             <a:fld id="{F28A4246-F2A7-4220-A405-8A96DAE08D6A}" type="datetimeFigureOut">
               <a:rPr lang="en-US" smtClean="0"/>
-              <a:t>9/9/2024</a:t>
+              <a:t>9/10/2024</a:t>
             </a:fld>
             <a:endParaRPr lang="en-US"/>
           </a:p>
@@ -2816,7 +2824,7 @@
           <a:p>
             <a:fld id="{F28A4246-F2A7-4220-A405-8A96DAE08D6A}" type="datetimeFigureOut">
               <a:rPr lang="en-US" smtClean="0"/>
-              <a:t>9/9/2024</a:t>
+              <a:t>9/10/2024</a:t>
             </a:fld>
             <a:endParaRPr lang="en-US"/>
           </a:p>
@@ -3029,7 +3037,7 @@
           <a:p>
             <a:fld id="{F28A4246-F2A7-4220-A405-8A96DAE08D6A}" type="datetimeFigureOut">
               <a:rPr lang="en-US" smtClean="0"/>
-              <a:t>9/9/2024</a:t>
+              <a:t>9/10/2024</a:t>
             </a:fld>
             <a:endParaRPr lang="en-US"/>
           </a:p>
@@ -4205,7 +4213,7 @@
           <a:p>
             <a:r>
               <a:rPr lang="en-US" dirty="0"/>
-              <a:t>Equal and Strict equal??</a:t>
+              <a:t>Equal and Strict equal?? (Always prefer === in JS, to avoid coercion)</a:t>
             </a:r>
           </a:p>
           <a:p>
@@ -4230,7 +4238,7 @@
           <a:p>
             <a:r>
               <a:rPr lang="en-US" dirty="0"/>
-              <a:t>Ternary Operator</a:t>
+              <a:t>Ternary Operator ( ?:) ) … requires 3 operands..</a:t>
             </a:r>
           </a:p>
         </p:txBody>
@@ -4239,6 +4247,580 @@
     <p:extLst>
       <p:ext uri="{BB962C8B-B14F-4D97-AF65-F5344CB8AC3E}">
         <p14:creationId xmlns:p14="http://schemas.microsoft.com/office/powerpoint/2010/main" val="357482642"/>
+      </p:ext>
+    </p:extLst>
+  </p:cSld>
+  <p:clrMapOvr>
+    <a:masterClrMapping/>
+  </p:clrMapOvr>
+</p:sld>
+</file>
+
+<file path=ppt/slides/slide16.xml><?xml version="1.0" encoding="utf-8"?>
+<p:sld xmlns:a="http://schemas.openxmlformats.org/drawingml/2006/main" xmlns:r="http://schemas.openxmlformats.org/officeDocument/2006/relationships" xmlns:p="http://schemas.openxmlformats.org/presentationml/2006/main">
+  <p:cSld>
+    <p:spTree>
+      <p:nvGrpSpPr>
+        <p:cNvPr id="1" name=""/>
+        <p:cNvGrpSpPr/>
+        <p:nvPr/>
+      </p:nvGrpSpPr>
+      <p:grpSpPr>
+        <a:xfrm>
+          <a:off x="0" y="0"/>
+          <a:ext cx="0" cy="0"/>
+          <a:chOff x="0" y="0"/>
+          <a:chExt cx="0" cy="0"/>
+        </a:xfrm>
+      </p:grpSpPr>
+      <p:sp>
+        <p:nvSpPr>
+          <p:cNvPr id="2" name="Title 1">
+            <a:extLst>
+              <a:ext uri="{FF2B5EF4-FFF2-40B4-BE49-F238E27FC236}">
+                <a16:creationId xmlns:a16="http://schemas.microsoft.com/office/drawing/2014/main" id="{30D3910D-605B-FE8D-828E-21AFDB8E1D84}"/>
+              </a:ext>
+            </a:extLst>
+          </p:cNvPr>
+          <p:cNvSpPr>
+            <a:spLocks noGrp="1"/>
+          </p:cNvSpPr>
+          <p:nvPr>
+            <p:ph type="title"/>
+          </p:nvPr>
+        </p:nvSpPr>
+        <p:spPr/>
+        <p:txBody>
+          <a:bodyPr/>
+          <a:lstStyle/>
+          <a:p>
+            <a:r>
+              <a:rPr lang="en-US" dirty="0"/>
+              <a:t>Strings and template literals</a:t>
+            </a:r>
+          </a:p>
+        </p:txBody>
+      </p:sp>
+      <p:sp>
+        <p:nvSpPr>
+          <p:cNvPr id="3" name="Content Placeholder 2">
+            <a:extLst>
+              <a:ext uri="{FF2B5EF4-FFF2-40B4-BE49-F238E27FC236}">
+                <a16:creationId xmlns:a16="http://schemas.microsoft.com/office/drawing/2014/main" id="{DF1E1D7F-CBC8-7114-06DB-A76B5C517096}"/>
+              </a:ext>
+            </a:extLst>
+          </p:cNvPr>
+          <p:cNvSpPr>
+            <a:spLocks noGrp="1"/>
+          </p:cNvSpPr>
+          <p:nvPr>
+            <p:ph idx="1"/>
+          </p:nvPr>
+        </p:nvSpPr>
+        <p:spPr/>
+        <p:txBody>
+          <a:bodyPr/>
+          <a:lstStyle/>
+          <a:p>
+            <a:r>
+              <a:rPr lang="en-US" dirty="0"/>
+              <a:t>“ “</a:t>
+            </a:r>
+          </a:p>
+          <a:p>
+            <a:r>
+              <a:rPr lang="en-US" dirty="0"/>
+              <a:t>‘ ‘ </a:t>
+            </a:r>
+          </a:p>
+          <a:p>
+            <a:r>
+              <a:rPr lang="en-US" dirty="0"/>
+              <a:t>` ` </a:t>
+            </a:r>
+          </a:p>
+        </p:txBody>
+      </p:sp>
+    </p:spTree>
+    <p:extLst>
+      <p:ext uri="{BB962C8B-B14F-4D97-AF65-F5344CB8AC3E}">
+        <p14:creationId xmlns:p14="http://schemas.microsoft.com/office/powerpoint/2010/main" val="381716929"/>
+      </p:ext>
+    </p:extLst>
+  </p:cSld>
+  <p:clrMapOvr>
+    <a:masterClrMapping/>
+  </p:clrMapOvr>
+</p:sld>
+</file>
+
+<file path=ppt/slides/slide17.xml><?xml version="1.0" encoding="utf-8"?>
+<p:sld xmlns:a="http://schemas.openxmlformats.org/drawingml/2006/main" xmlns:r="http://schemas.openxmlformats.org/officeDocument/2006/relationships" xmlns:p="http://schemas.openxmlformats.org/presentationml/2006/main">
+  <p:cSld>
+    <p:spTree>
+      <p:nvGrpSpPr>
+        <p:cNvPr id="1" name=""/>
+        <p:cNvGrpSpPr/>
+        <p:nvPr/>
+      </p:nvGrpSpPr>
+      <p:grpSpPr>
+        <a:xfrm>
+          <a:off x="0" y="0"/>
+          <a:ext cx="0" cy="0"/>
+          <a:chOff x="0" y="0"/>
+          <a:chExt cx="0" cy="0"/>
+        </a:xfrm>
+      </p:grpSpPr>
+      <p:sp>
+        <p:nvSpPr>
+          <p:cNvPr id="2" name="Title 1">
+            <a:extLst>
+              <a:ext uri="{FF2B5EF4-FFF2-40B4-BE49-F238E27FC236}">
+                <a16:creationId xmlns:a16="http://schemas.microsoft.com/office/drawing/2014/main" id="{6480751E-4310-C4CF-830E-F1955C15777C}"/>
+              </a:ext>
+            </a:extLst>
+          </p:cNvPr>
+          <p:cNvSpPr>
+            <a:spLocks noGrp="1"/>
+          </p:cNvSpPr>
+          <p:nvPr>
+            <p:ph type="title"/>
+          </p:nvPr>
+        </p:nvSpPr>
+        <p:spPr/>
+        <p:txBody>
+          <a:bodyPr/>
+          <a:lstStyle/>
+          <a:p>
+            <a:r>
+              <a:rPr lang="en-US" dirty="0"/>
+              <a:t>Expressions in JavaScript!</a:t>
+            </a:r>
+          </a:p>
+        </p:txBody>
+      </p:sp>
+      <p:sp>
+        <p:nvSpPr>
+          <p:cNvPr id="3" name="Content Placeholder 2">
+            <a:extLst>
+              <a:ext uri="{FF2B5EF4-FFF2-40B4-BE49-F238E27FC236}">
+                <a16:creationId xmlns:a16="http://schemas.microsoft.com/office/drawing/2014/main" id="{7BF136AF-82CF-45D3-79EA-F08F9208A41B}"/>
+              </a:ext>
+            </a:extLst>
+          </p:cNvPr>
+          <p:cNvSpPr>
+            <a:spLocks noGrp="1"/>
+          </p:cNvSpPr>
+          <p:nvPr>
+            <p:ph idx="1"/>
+          </p:nvPr>
+        </p:nvSpPr>
+        <p:spPr/>
+        <p:txBody>
+          <a:bodyPr/>
+          <a:lstStyle/>
+          <a:p>
+            <a:pPr marL="0" indent="0">
+              <a:buNone/>
+            </a:pPr>
+            <a:r>
+              <a:rPr lang="en-US" dirty="0"/>
+              <a:t>X = Y+1; //equation..</a:t>
+            </a:r>
+          </a:p>
+          <a:p>
+            <a:pPr marL="0" indent="0">
+              <a:buNone/>
+            </a:pPr>
+            <a:r>
+              <a:rPr lang="en-US" dirty="0"/>
+              <a:t>Here…</a:t>
+            </a:r>
+          </a:p>
+          <a:p>
+            <a:pPr marL="0" indent="0">
+              <a:buNone/>
+            </a:pPr>
+            <a:r>
+              <a:rPr lang="en-US" dirty="0"/>
+              <a:t>X …. Evaluates to a value</a:t>
+            </a:r>
+          </a:p>
+          <a:p>
+            <a:pPr marL="0" indent="0">
+              <a:buNone/>
+            </a:pPr>
+            <a:r>
+              <a:rPr lang="en-US" dirty="0"/>
+              <a:t>Y+1… evaluates to a value</a:t>
+            </a:r>
+          </a:p>
+          <a:p>
+            <a:pPr marL="0" indent="0">
+              <a:buNone/>
+            </a:pPr>
+            <a:endParaRPr lang="en-US" dirty="0"/>
+          </a:p>
+          <a:p>
+            <a:pPr marL="0" indent="0">
+              <a:buNone/>
+            </a:pPr>
+            <a:r>
+              <a:rPr lang="en-US" dirty="0"/>
+              <a:t>An Expression is something that is evaluated to something.</a:t>
+            </a:r>
+          </a:p>
+          <a:p>
+            <a:pPr marL="0" indent="0">
+              <a:buNone/>
+            </a:pPr>
+            <a:endParaRPr lang="en-US" dirty="0"/>
+          </a:p>
+        </p:txBody>
+      </p:sp>
+    </p:spTree>
+    <p:extLst>
+      <p:ext uri="{BB962C8B-B14F-4D97-AF65-F5344CB8AC3E}">
+        <p14:creationId xmlns:p14="http://schemas.microsoft.com/office/powerpoint/2010/main" val="2115580536"/>
+      </p:ext>
+    </p:extLst>
+  </p:cSld>
+  <p:clrMapOvr>
+    <a:masterClrMapping/>
+  </p:clrMapOvr>
+</p:sld>
+</file>
+
+<file path=ppt/slides/slide18.xml><?xml version="1.0" encoding="utf-8"?>
+<p:sld xmlns:a="http://schemas.openxmlformats.org/drawingml/2006/main" xmlns:r="http://schemas.openxmlformats.org/officeDocument/2006/relationships" xmlns:p="http://schemas.openxmlformats.org/presentationml/2006/main">
+  <p:cSld>
+    <p:spTree>
+      <p:nvGrpSpPr>
+        <p:cNvPr id="1" name=""/>
+        <p:cNvGrpSpPr/>
+        <p:nvPr/>
+      </p:nvGrpSpPr>
+      <p:grpSpPr>
+        <a:xfrm>
+          <a:off x="0" y="0"/>
+          <a:ext cx="0" cy="0"/>
+          <a:chOff x="0" y="0"/>
+          <a:chExt cx="0" cy="0"/>
+        </a:xfrm>
+      </p:grpSpPr>
+      <p:sp>
+        <p:nvSpPr>
+          <p:cNvPr id="2" name="Title 1">
+            <a:extLst>
+              <a:ext uri="{FF2B5EF4-FFF2-40B4-BE49-F238E27FC236}">
+                <a16:creationId xmlns:a16="http://schemas.microsoft.com/office/drawing/2014/main" id="{89C0569E-C3E0-F4F3-6114-DB98D1F18904}"/>
+              </a:ext>
+            </a:extLst>
+          </p:cNvPr>
+          <p:cNvSpPr>
+            <a:spLocks noGrp="1"/>
+          </p:cNvSpPr>
+          <p:nvPr>
+            <p:ph type="title"/>
+          </p:nvPr>
+        </p:nvSpPr>
+        <p:spPr/>
+        <p:txBody>
+          <a:bodyPr/>
+          <a:lstStyle/>
+          <a:p>
+            <a:r>
+              <a:rPr lang="en-US" dirty="0"/>
+              <a:t>Execution Flow</a:t>
+            </a:r>
+          </a:p>
+        </p:txBody>
+      </p:sp>
+      <p:sp>
+        <p:nvSpPr>
+          <p:cNvPr id="3" name="Content Placeholder 2">
+            <a:extLst>
+              <a:ext uri="{FF2B5EF4-FFF2-40B4-BE49-F238E27FC236}">
+                <a16:creationId xmlns:a16="http://schemas.microsoft.com/office/drawing/2014/main" id="{4E91D694-DDFA-81A7-34A2-DEF07E03DBEF}"/>
+              </a:ext>
+            </a:extLst>
+          </p:cNvPr>
+          <p:cNvSpPr>
+            <a:spLocks noGrp="1"/>
+          </p:cNvSpPr>
+          <p:nvPr>
+            <p:ph idx="1"/>
+          </p:nvPr>
+        </p:nvSpPr>
+        <p:spPr/>
+        <p:txBody>
+          <a:bodyPr>
+            <a:normAutofit lnSpcReduction="10000"/>
+          </a:bodyPr>
+          <a:lstStyle/>
+          <a:p>
+            <a:r>
+              <a:rPr lang="en-US" dirty="0"/>
+              <a:t>1. Sequential, 2. Conditional, 3. Looping, 4. Transfer</a:t>
+            </a:r>
+          </a:p>
+          <a:p>
+            <a:endParaRPr lang="en-US" dirty="0"/>
+          </a:p>
+          <a:p>
+            <a:r>
+              <a:rPr lang="en-US" dirty="0"/>
+              <a:t>How well do you know for loop?</a:t>
+            </a:r>
+          </a:p>
+          <a:p>
+            <a:pPr marL="0" indent="0">
+              <a:buNone/>
+            </a:pPr>
+            <a:r>
+              <a:rPr lang="en-US" dirty="0"/>
+              <a:t>for(let </a:t>
+            </a:r>
+            <a:r>
+              <a:rPr lang="en-US" dirty="0" err="1"/>
+              <a:t>i</a:t>
+            </a:r>
+            <a:r>
+              <a:rPr lang="en-US" dirty="0"/>
+              <a:t>=0;i&lt;10;i++){</a:t>
+            </a:r>
+          </a:p>
+          <a:p>
+            <a:pPr marL="0" indent="0">
+              <a:buNone/>
+            </a:pPr>
+            <a:r>
+              <a:rPr lang="en-US" dirty="0"/>
+              <a:t>Console.log</a:t>
+            </a:r>
+            <a:r>
+              <a:rPr lang="en-US"/>
+              <a:t>(“hello”);</a:t>
+            </a:r>
+          </a:p>
+          <a:p>
+            <a:pPr marL="0" indent="0">
+              <a:buNone/>
+            </a:pPr>
+            <a:r>
+              <a:rPr lang="en-US" dirty="0"/>
+              <a:t>}</a:t>
+            </a:r>
+          </a:p>
+          <a:p>
+            <a:pPr marL="0" indent="0">
+              <a:buNone/>
+            </a:pPr>
+            <a:endParaRPr lang="en-US" dirty="0"/>
+          </a:p>
+          <a:p>
+            <a:pPr marL="0" indent="0">
+              <a:buNone/>
+            </a:pPr>
+            <a:endParaRPr lang="en-US" dirty="0"/>
+          </a:p>
+          <a:p>
+            <a:pPr marL="0" indent="0">
+              <a:buNone/>
+            </a:pPr>
+            <a:r>
+              <a:rPr lang="en-US" dirty="0"/>
+              <a:t>More on loops later..</a:t>
+            </a:r>
+          </a:p>
+        </p:txBody>
+      </p:sp>
+    </p:spTree>
+    <p:extLst>
+      <p:ext uri="{BB962C8B-B14F-4D97-AF65-F5344CB8AC3E}">
+        <p14:creationId xmlns:p14="http://schemas.microsoft.com/office/powerpoint/2010/main" val="452869659"/>
+      </p:ext>
+    </p:extLst>
+  </p:cSld>
+  <p:clrMapOvr>
+    <a:masterClrMapping/>
+  </p:clrMapOvr>
+</p:sld>
+</file>
+
+<file path=ppt/slides/slide19.xml><?xml version="1.0" encoding="utf-8"?>
+<p:sld xmlns:a="http://schemas.openxmlformats.org/drawingml/2006/main" xmlns:r="http://schemas.openxmlformats.org/officeDocument/2006/relationships" xmlns:p="http://schemas.openxmlformats.org/presentationml/2006/main">
+  <p:cSld>
+    <p:spTree>
+      <p:nvGrpSpPr>
+        <p:cNvPr id="1" name=""/>
+        <p:cNvGrpSpPr/>
+        <p:nvPr/>
+      </p:nvGrpSpPr>
+      <p:grpSpPr>
+        <a:xfrm>
+          <a:off x="0" y="0"/>
+          <a:ext cx="0" cy="0"/>
+          <a:chOff x="0" y="0"/>
+          <a:chExt cx="0" cy="0"/>
+        </a:xfrm>
+      </p:grpSpPr>
+      <p:sp>
+        <p:nvSpPr>
+          <p:cNvPr id="2" name="Title 1">
+            <a:extLst>
+              <a:ext uri="{FF2B5EF4-FFF2-40B4-BE49-F238E27FC236}">
+                <a16:creationId xmlns:a16="http://schemas.microsoft.com/office/drawing/2014/main" id="{9114DBDF-4E77-6BF8-DD4D-7E1958729E5F}"/>
+              </a:ext>
+            </a:extLst>
+          </p:cNvPr>
+          <p:cNvSpPr>
+            <a:spLocks noGrp="1"/>
+          </p:cNvSpPr>
+          <p:nvPr>
+            <p:ph type="title"/>
+          </p:nvPr>
+        </p:nvSpPr>
+        <p:spPr/>
+        <p:txBody>
+          <a:bodyPr/>
+          <a:lstStyle/>
+          <a:p>
+            <a:r>
+              <a:rPr lang="en-US" dirty="0"/>
+              <a:t>Functions</a:t>
+            </a:r>
+          </a:p>
+        </p:txBody>
+      </p:sp>
+      <p:sp>
+        <p:nvSpPr>
+          <p:cNvPr id="3" name="Content Placeholder 2">
+            <a:extLst>
+              <a:ext uri="{FF2B5EF4-FFF2-40B4-BE49-F238E27FC236}">
+                <a16:creationId xmlns:a16="http://schemas.microsoft.com/office/drawing/2014/main" id="{52889044-35BE-0247-7E27-D31C772B4941}"/>
+              </a:ext>
+            </a:extLst>
+          </p:cNvPr>
+          <p:cNvSpPr>
+            <a:spLocks noGrp="1"/>
+          </p:cNvSpPr>
+          <p:nvPr>
+            <p:ph idx="1"/>
+          </p:nvPr>
+        </p:nvSpPr>
+        <p:spPr>
+          <a:xfrm>
+            <a:off x="838200" y="1825625"/>
+            <a:ext cx="10515600" cy="5234742"/>
+          </a:xfrm>
+        </p:spPr>
+        <p:txBody>
+          <a:bodyPr>
+            <a:normAutofit fontScale="92500" lnSpcReduction="20000"/>
+          </a:bodyPr>
+          <a:lstStyle/>
+          <a:p>
+            <a:pPr marL="0" indent="0">
+              <a:buNone/>
+            </a:pPr>
+            <a:r>
+              <a:rPr lang="en-US" dirty="0"/>
+              <a:t>A function is a subprogram, or a smaller portion of code that can be called(i.e.; invoked) by another part of your program, another function, or by the environment in response to some user or device action(e.g.; clicking a button, a network request etc.)</a:t>
+            </a:r>
+          </a:p>
+          <a:p>
+            <a:pPr marL="0" indent="0">
+              <a:buNone/>
+            </a:pPr>
+            <a:endParaRPr lang="en-US" dirty="0"/>
+          </a:p>
+          <a:p>
+            <a:pPr marL="0" indent="0">
+              <a:buNone/>
+            </a:pPr>
+            <a:endParaRPr lang="en-US" dirty="0"/>
+          </a:p>
+          <a:p>
+            <a:pPr marL="0" indent="0">
+              <a:buNone/>
+            </a:pPr>
+            <a:r>
+              <a:rPr lang="en-US" dirty="0"/>
+              <a:t>Syntax of Functions:</a:t>
+            </a:r>
+          </a:p>
+          <a:p>
+            <a:pPr marL="0" indent="0">
+              <a:buNone/>
+            </a:pPr>
+            <a:r>
+              <a:rPr lang="en-US" dirty="0"/>
+              <a:t>        Functions can take values(i.e., arguments) and may return a value.</a:t>
+            </a:r>
+          </a:p>
+          <a:p>
+            <a:pPr marL="0" indent="0">
+              <a:buNone/>
+            </a:pPr>
+            <a:r>
+              <a:rPr lang="en-US" dirty="0"/>
+              <a:t>            add NOT A FUNCTION...</a:t>
+            </a:r>
+          </a:p>
+          <a:p>
+            <a:pPr marL="0" indent="0">
+              <a:buNone/>
+            </a:pPr>
+            <a:r>
+              <a:rPr lang="en-US" dirty="0"/>
+              <a:t>            add( )</a:t>
+            </a:r>
+          </a:p>
+          <a:p>
+            <a:pPr marL="0" indent="0">
+              <a:buNone/>
+            </a:pPr>
+            <a:endParaRPr lang="en-US" dirty="0"/>
+          </a:p>
+          <a:p>
+            <a:pPr marL="0" indent="0">
+              <a:buNone/>
+            </a:pPr>
+            <a:r>
+              <a:rPr lang="en-US" dirty="0"/>
+              <a:t>            juicer(apples)</a:t>
+            </a:r>
+          </a:p>
+          <a:p>
+            <a:pPr marL="0" indent="0">
+              <a:buNone/>
+            </a:pPr>
+            <a:r>
+              <a:rPr lang="en-US" dirty="0"/>
+              <a:t>             c add(</a:t>
+            </a:r>
+            <a:r>
+              <a:rPr lang="en-US" dirty="0" err="1"/>
+              <a:t>a,b</a:t>
+            </a:r>
+            <a:r>
+              <a:rPr lang="en-US" dirty="0"/>
+              <a:t>)</a:t>
+            </a:r>
+          </a:p>
+          <a:p>
+            <a:pPr marL="0" indent="0">
+              <a:buNone/>
+            </a:pPr>
+            <a:endParaRPr lang="en-US" dirty="0"/>
+          </a:p>
+        </p:txBody>
+      </p:sp>
+    </p:spTree>
+    <p:extLst>
+      <p:ext uri="{BB962C8B-B14F-4D97-AF65-F5344CB8AC3E}">
+        <p14:creationId xmlns:p14="http://schemas.microsoft.com/office/powerpoint/2010/main" val="584018342"/>
       </p:ext>
     </p:extLst>
   </p:cSld>
@@ -4419,6 +5001,625 @@
     <p:extLst>
       <p:ext uri="{BB962C8B-B14F-4D97-AF65-F5344CB8AC3E}">
         <p14:creationId xmlns:p14="http://schemas.microsoft.com/office/powerpoint/2010/main" val="3911012905"/>
+      </p:ext>
+    </p:extLst>
+  </p:cSld>
+  <p:clrMapOvr>
+    <a:masterClrMapping/>
+  </p:clrMapOvr>
+</p:sld>
+</file>
+
+<file path=ppt/slides/slide20.xml><?xml version="1.0" encoding="utf-8"?>
+<p:sld xmlns:a="http://schemas.openxmlformats.org/drawingml/2006/main" xmlns:r="http://schemas.openxmlformats.org/officeDocument/2006/relationships" xmlns:p="http://schemas.openxmlformats.org/presentationml/2006/main">
+  <p:cSld>
+    <p:spTree>
+      <p:nvGrpSpPr>
+        <p:cNvPr id="1" name=""/>
+        <p:cNvGrpSpPr/>
+        <p:nvPr/>
+      </p:nvGrpSpPr>
+      <p:grpSpPr>
+        <a:xfrm>
+          <a:off x="0" y="0"/>
+          <a:ext cx="0" cy="0"/>
+          <a:chOff x="0" y="0"/>
+          <a:chExt cx="0" cy="0"/>
+        </a:xfrm>
+      </p:grpSpPr>
+      <p:sp>
+        <p:nvSpPr>
+          <p:cNvPr id="2" name="Title 1">
+            <a:extLst>
+              <a:ext uri="{FF2B5EF4-FFF2-40B4-BE49-F238E27FC236}">
+                <a16:creationId xmlns:a16="http://schemas.microsoft.com/office/drawing/2014/main" id="{7EF880CF-BB60-81B1-BFCE-71808F384851}"/>
+              </a:ext>
+            </a:extLst>
+          </p:cNvPr>
+          <p:cNvSpPr>
+            <a:spLocks noGrp="1"/>
+          </p:cNvSpPr>
+          <p:nvPr>
+            <p:ph type="title"/>
+          </p:nvPr>
+        </p:nvSpPr>
+        <p:spPr/>
+        <p:txBody>
+          <a:bodyPr/>
+          <a:lstStyle/>
+          <a:p>
+            <a:r>
+              <a:rPr lang="en-US" dirty="0"/>
+              <a:t>Types of functions in JavaScript</a:t>
+            </a:r>
+          </a:p>
+        </p:txBody>
+      </p:sp>
+      <p:sp>
+        <p:nvSpPr>
+          <p:cNvPr id="3" name="Content Placeholder 2">
+            <a:extLst>
+              <a:ext uri="{FF2B5EF4-FFF2-40B4-BE49-F238E27FC236}">
+                <a16:creationId xmlns:a16="http://schemas.microsoft.com/office/drawing/2014/main" id="{C1DF1574-0F69-426E-9419-882E6D33AC0D}"/>
+              </a:ext>
+            </a:extLst>
+          </p:cNvPr>
+          <p:cNvSpPr>
+            <a:spLocks noGrp="1"/>
+          </p:cNvSpPr>
+          <p:nvPr>
+            <p:ph idx="1"/>
+          </p:nvPr>
+        </p:nvSpPr>
+        <p:spPr/>
+        <p:txBody>
+          <a:bodyPr/>
+          <a:lstStyle/>
+          <a:p>
+            <a:r>
+              <a:rPr lang="en-US" dirty="0"/>
+              <a:t>Types of Functions in JavaScript:</a:t>
+            </a:r>
+          </a:p>
+          <a:p>
+            <a:r>
+              <a:rPr lang="en-US" dirty="0"/>
+              <a:t>        </a:t>
+            </a:r>
+            <a:r>
+              <a:rPr lang="en-US" dirty="0" err="1"/>
+              <a:t>i</a:t>
+            </a:r>
+            <a:r>
+              <a:rPr lang="en-US" dirty="0"/>
+              <a:t>)User-defined Functions</a:t>
+            </a:r>
+          </a:p>
+          <a:p>
+            <a:r>
+              <a:rPr lang="en-US" dirty="0"/>
+              <a:t>        ii) Pre-defined functions.</a:t>
+            </a:r>
+          </a:p>
+          <a:p>
+            <a:endParaRPr lang="en-US" dirty="0"/>
+          </a:p>
+        </p:txBody>
+      </p:sp>
+    </p:spTree>
+    <p:extLst>
+      <p:ext uri="{BB962C8B-B14F-4D97-AF65-F5344CB8AC3E}">
+        <p14:creationId xmlns:p14="http://schemas.microsoft.com/office/powerpoint/2010/main" val="3353278895"/>
+      </p:ext>
+    </p:extLst>
+  </p:cSld>
+  <p:clrMapOvr>
+    <a:masterClrMapping/>
+  </p:clrMapOvr>
+</p:sld>
+</file>
+
+<file path=ppt/slides/slide21.xml><?xml version="1.0" encoding="utf-8"?>
+<p:sld xmlns:a="http://schemas.openxmlformats.org/drawingml/2006/main" xmlns:r="http://schemas.openxmlformats.org/officeDocument/2006/relationships" xmlns:p="http://schemas.openxmlformats.org/presentationml/2006/main">
+  <p:cSld>
+    <p:spTree>
+      <p:nvGrpSpPr>
+        <p:cNvPr id="1" name=""/>
+        <p:cNvGrpSpPr/>
+        <p:nvPr/>
+      </p:nvGrpSpPr>
+      <p:grpSpPr>
+        <a:xfrm>
+          <a:off x="0" y="0"/>
+          <a:ext cx="0" cy="0"/>
+          <a:chOff x="0" y="0"/>
+          <a:chExt cx="0" cy="0"/>
+        </a:xfrm>
+      </p:grpSpPr>
+      <p:sp>
+        <p:nvSpPr>
+          <p:cNvPr id="2" name="Title 1">
+            <a:extLst>
+              <a:ext uri="{FF2B5EF4-FFF2-40B4-BE49-F238E27FC236}">
+                <a16:creationId xmlns:a16="http://schemas.microsoft.com/office/drawing/2014/main" id="{ED961341-1E4D-1383-9684-F3914744FBCC}"/>
+              </a:ext>
+            </a:extLst>
+          </p:cNvPr>
+          <p:cNvSpPr>
+            <a:spLocks noGrp="1"/>
+          </p:cNvSpPr>
+          <p:nvPr>
+            <p:ph type="title"/>
+          </p:nvPr>
+        </p:nvSpPr>
+        <p:spPr/>
+        <p:txBody>
+          <a:bodyPr>
+            <a:normAutofit fontScale="90000"/>
+          </a:bodyPr>
+          <a:lstStyle/>
+          <a:p>
+            <a:r>
+              <a:rPr lang="en-US" dirty="0"/>
+              <a:t>User-defined Functions: functions defined by us (as users)</a:t>
+            </a:r>
+            <a:br>
+              <a:rPr lang="en-US" dirty="0"/>
+            </a:br>
+            <a:endParaRPr lang="en-US" dirty="0"/>
+          </a:p>
+        </p:txBody>
+      </p:sp>
+      <p:sp>
+        <p:nvSpPr>
+          <p:cNvPr id="3" name="Content Placeholder 2">
+            <a:extLst>
+              <a:ext uri="{FF2B5EF4-FFF2-40B4-BE49-F238E27FC236}">
+                <a16:creationId xmlns:a16="http://schemas.microsoft.com/office/drawing/2014/main" id="{84F3BDED-8F3A-72CA-1A47-00E187222333}"/>
+              </a:ext>
+            </a:extLst>
+          </p:cNvPr>
+          <p:cNvSpPr>
+            <a:spLocks noGrp="1"/>
+          </p:cNvSpPr>
+          <p:nvPr>
+            <p:ph idx="1"/>
+          </p:nvPr>
+        </p:nvSpPr>
+        <p:spPr/>
+        <p:txBody>
+          <a:bodyPr/>
+          <a:lstStyle/>
+          <a:p>
+            <a:pPr marL="457200" lvl="1" indent="0">
+              <a:buNone/>
+            </a:pPr>
+            <a:r>
+              <a:rPr lang="en-US" dirty="0" err="1"/>
+              <a:t>i</a:t>
+            </a:r>
+            <a:r>
+              <a:rPr lang="en-US" dirty="0"/>
+              <a:t>)Function Declarations</a:t>
+            </a:r>
+          </a:p>
+          <a:p>
+            <a:pPr marL="0" indent="0">
+              <a:buNone/>
+            </a:pPr>
+            <a:r>
+              <a:rPr lang="en-US" dirty="0"/>
+              <a:t>     ii)Function Expressions</a:t>
+            </a:r>
+          </a:p>
+          <a:p>
+            <a:pPr marL="0" indent="0">
+              <a:buNone/>
+            </a:pPr>
+            <a:r>
+              <a:rPr lang="en-US" dirty="0"/>
+              <a:t>     iii) Arrow Functions </a:t>
+            </a:r>
+          </a:p>
+          <a:p>
+            <a:endParaRPr lang="en-US" dirty="0"/>
+          </a:p>
+          <a:p>
+            <a:endParaRPr lang="en-US" dirty="0"/>
+          </a:p>
+        </p:txBody>
+      </p:sp>
+    </p:spTree>
+    <p:extLst>
+      <p:ext uri="{BB962C8B-B14F-4D97-AF65-F5344CB8AC3E}">
+        <p14:creationId xmlns:p14="http://schemas.microsoft.com/office/powerpoint/2010/main" val="1610235720"/>
+      </p:ext>
+    </p:extLst>
+  </p:cSld>
+  <p:clrMapOvr>
+    <a:masterClrMapping/>
+  </p:clrMapOvr>
+</p:sld>
+</file>
+
+<file path=ppt/slides/slide22.xml><?xml version="1.0" encoding="utf-8"?>
+<p:sld xmlns:a="http://schemas.openxmlformats.org/drawingml/2006/main" xmlns:r="http://schemas.openxmlformats.org/officeDocument/2006/relationships" xmlns:p="http://schemas.openxmlformats.org/presentationml/2006/main">
+  <p:cSld>
+    <p:spTree>
+      <p:nvGrpSpPr>
+        <p:cNvPr id="1" name=""/>
+        <p:cNvGrpSpPr/>
+        <p:nvPr/>
+      </p:nvGrpSpPr>
+      <p:grpSpPr>
+        <a:xfrm>
+          <a:off x="0" y="0"/>
+          <a:ext cx="0" cy="0"/>
+          <a:chOff x="0" y="0"/>
+          <a:chExt cx="0" cy="0"/>
+        </a:xfrm>
+      </p:grpSpPr>
+      <p:sp>
+        <p:nvSpPr>
+          <p:cNvPr id="2" name="Title 1">
+            <a:extLst>
+              <a:ext uri="{FF2B5EF4-FFF2-40B4-BE49-F238E27FC236}">
+                <a16:creationId xmlns:a16="http://schemas.microsoft.com/office/drawing/2014/main" id="{2435461A-1206-6847-9D7B-6C040F764DF1}"/>
+              </a:ext>
+            </a:extLst>
+          </p:cNvPr>
+          <p:cNvSpPr>
+            <a:spLocks noGrp="1"/>
+          </p:cNvSpPr>
+          <p:nvPr>
+            <p:ph type="title"/>
+          </p:nvPr>
+        </p:nvSpPr>
+        <p:spPr/>
+        <p:txBody>
+          <a:bodyPr/>
+          <a:lstStyle/>
+          <a:p>
+            <a:r>
+              <a:rPr lang="en-US" dirty="0"/>
+              <a:t> Function Declarations:</a:t>
+            </a:r>
+            <a:br>
+              <a:rPr lang="en-US" dirty="0"/>
+            </a:br>
+            <a:endParaRPr lang="en-US" dirty="0"/>
+          </a:p>
+        </p:txBody>
+      </p:sp>
+      <p:sp>
+        <p:nvSpPr>
+          <p:cNvPr id="3" name="Content Placeholder 2">
+            <a:extLst>
+              <a:ext uri="{FF2B5EF4-FFF2-40B4-BE49-F238E27FC236}">
+                <a16:creationId xmlns:a16="http://schemas.microsoft.com/office/drawing/2014/main" id="{B156E02B-B590-0465-8691-C0C546E4ED3E}"/>
+              </a:ext>
+            </a:extLst>
+          </p:cNvPr>
+          <p:cNvSpPr>
+            <a:spLocks noGrp="1"/>
+          </p:cNvSpPr>
+          <p:nvPr>
+            <p:ph idx="1"/>
+          </p:nvPr>
+        </p:nvSpPr>
+        <p:spPr/>
+        <p:txBody>
+          <a:bodyPr>
+            <a:normAutofit fontScale="77500" lnSpcReduction="20000"/>
+          </a:bodyPr>
+          <a:lstStyle/>
+          <a:p>
+            <a:endParaRPr lang="en-US" dirty="0"/>
+          </a:p>
+          <a:p>
+            <a:pPr marL="0" indent="0">
+              <a:buNone/>
+            </a:pPr>
+            <a:r>
+              <a:rPr lang="en-US" dirty="0"/>
+              <a:t>          function </a:t>
+            </a:r>
+            <a:r>
+              <a:rPr lang="en-US" dirty="0" err="1"/>
+              <a:t>noop</a:t>
+            </a:r>
+            <a:r>
+              <a:rPr lang="en-US" dirty="0"/>
+              <a:t>(){</a:t>
+            </a:r>
+          </a:p>
+          <a:p>
+            <a:endParaRPr lang="en-US" dirty="0"/>
+          </a:p>
+          <a:p>
+            <a:pPr marL="0" indent="0">
+              <a:buNone/>
+            </a:pPr>
+            <a:r>
+              <a:rPr lang="en-US" dirty="0"/>
+              <a:t>          }</a:t>
+            </a:r>
+          </a:p>
+          <a:p>
+            <a:endParaRPr lang="en-US" dirty="0"/>
+          </a:p>
+          <a:p>
+            <a:pPr marL="0" indent="0">
+              <a:buNone/>
+            </a:pPr>
+            <a:r>
+              <a:rPr lang="en-US" dirty="0"/>
+              <a:t>            function square(n){</a:t>
+            </a:r>
+          </a:p>
+          <a:p>
+            <a:pPr marL="0" indent="0">
+              <a:buNone/>
+            </a:pPr>
+            <a:r>
+              <a:rPr lang="en-US" dirty="0"/>
+              <a:t>                return n*n;</a:t>
+            </a:r>
+          </a:p>
+          <a:p>
+            <a:pPr marL="0" indent="0">
+              <a:buNone/>
+            </a:pPr>
+            <a:r>
+              <a:rPr lang="en-US" dirty="0"/>
+              <a:t>           }</a:t>
+            </a:r>
+          </a:p>
+          <a:p>
+            <a:endParaRPr lang="en-US" dirty="0"/>
+          </a:p>
+          <a:p>
+            <a:pPr marL="0" indent="0">
+              <a:buNone/>
+            </a:pPr>
+            <a:r>
+              <a:rPr lang="en-US" dirty="0"/>
+              <a:t>            function add(</a:t>
+            </a:r>
+            <a:r>
+              <a:rPr lang="en-US" dirty="0" err="1"/>
+              <a:t>a,b</a:t>
+            </a:r>
+            <a:r>
+              <a:rPr lang="en-US" dirty="0"/>
+              <a:t>){</a:t>
+            </a:r>
+          </a:p>
+          <a:p>
+            <a:pPr marL="0" indent="0">
+              <a:buNone/>
+            </a:pPr>
+            <a:r>
+              <a:rPr lang="en-US" dirty="0"/>
+              <a:t>                return </a:t>
+            </a:r>
+            <a:r>
+              <a:rPr lang="en-US" dirty="0" err="1"/>
+              <a:t>a+b</a:t>
+            </a:r>
+            <a:r>
+              <a:rPr lang="en-US" dirty="0"/>
+              <a:t>;</a:t>
+            </a:r>
+          </a:p>
+          <a:p>
+            <a:pPr marL="0" indent="0">
+              <a:buNone/>
+            </a:pPr>
+            <a:r>
+              <a:rPr lang="en-US" dirty="0"/>
+              <a:t>            }</a:t>
+            </a:r>
+          </a:p>
+          <a:p>
+            <a:endParaRPr lang="en-US" dirty="0"/>
+          </a:p>
+        </p:txBody>
+      </p:sp>
+    </p:spTree>
+    <p:extLst>
+      <p:ext uri="{BB962C8B-B14F-4D97-AF65-F5344CB8AC3E}">
+        <p14:creationId xmlns:p14="http://schemas.microsoft.com/office/powerpoint/2010/main" val="1728345523"/>
+      </p:ext>
+    </p:extLst>
+  </p:cSld>
+  <p:clrMapOvr>
+    <a:masterClrMapping/>
+  </p:clrMapOvr>
+</p:sld>
+</file>
+
+<file path=ppt/slides/slide23.xml><?xml version="1.0" encoding="utf-8"?>
+<p:sld xmlns:a="http://schemas.openxmlformats.org/drawingml/2006/main" xmlns:r="http://schemas.openxmlformats.org/officeDocument/2006/relationships" xmlns:p="http://schemas.openxmlformats.org/presentationml/2006/main">
+  <p:cSld>
+    <p:spTree>
+      <p:nvGrpSpPr>
+        <p:cNvPr id="1" name=""/>
+        <p:cNvGrpSpPr/>
+        <p:nvPr/>
+      </p:nvGrpSpPr>
+      <p:grpSpPr>
+        <a:xfrm>
+          <a:off x="0" y="0"/>
+          <a:ext cx="0" cy="0"/>
+          <a:chOff x="0" y="0"/>
+          <a:chExt cx="0" cy="0"/>
+        </a:xfrm>
+      </p:grpSpPr>
+      <p:sp>
+        <p:nvSpPr>
+          <p:cNvPr id="2" name="Title 1">
+            <a:extLst>
+              <a:ext uri="{FF2B5EF4-FFF2-40B4-BE49-F238E27FC236}">
+                <a16:creationId xmlns:a16="http://schemas.microsoft.com/office/drawing/2014/main" id="{67345478-E236-658C-917A-2CE80D345983}"/>
+              </a:ext>
+            </a:extLst>
+          </p:cNvPr>
+          <p:cNvSpPr>
+            <a:spLocks noGrp="1"/>
+          </p:cNvSpPr>
+          <p:nvPr>
+            <p:ph type="title"/>
+          </p:nvPr>
+        </p:nvSpPr>
+        <p:spPr/>
+        <p:txBody>
+          <a:bodyPr/>
+          <a:lstStyle/>
+          <a:p>
+            <a:r>
+              <a:rPr lang="en-US" dirty="0"/>
+              <a:t>Function expressions:[ONLY IN JS]</a:t>
+            </a:r>
+            <a:br>
+              <a:rPr lang="en-US" dirty="0"/>
+            </a:br>
+            <a:endParaRPr lang="en-US" dirty="0"/>
+          </a:p>
+        </p:txBody>
+      </p:sp>
+      <p:sp>
+        <p:nvSpPr>
+          <p:cNvPr id="3" name="Content Placeholder 2">
+            <a:extLst>
+              <a:ext uri="{FF2B5EF4-FFF2-40B4-BE49-F238E27FC236}">
+                <a16:creationId xmlns:a16="http://schemas.microsoft.com/office/drawing/2014/main" id="{36186E75-93ED-42D7-2EC1-8CFD05B2A923}"/>
+              </a:ext>
+            </a:extLst>
+          </p:cNvPr>
+          <p:cNvSpPr>
+            <a:spLocks noGrp="1"/>
+          </p:cNvSpPr>
+          <p:nvPr>
+            <p:ph idx="1"/>
+          </p:nvPr>
+        </p:nvSpPr>
+        <p:spPr/>
+        <p:txBody>
+          <a:bodyPr>
+            <a:normAutofit fontScale="92500" lnSpcReduction="20000"/>
+          </a:bodyPr>
+          <a:lstStyle/>
+          <a:p>
+            <a:endParaRPr lang="en-US" dirty="0"/>
+          </a:p>
+          <a:p>
+            <a:pPr marL="0" indent="0">
+              <a:buNone/>
+            </a:pPr>
+            <a:r>
+              <a:rPr lang="en-US" dirty="0"/>
+              <a:t>            let </a:t>
+            </a:r>
+            <a:r>
+              <a:rPr lang="en-US" dirty="0" err="1"/>
+              <a:t>noop</a:t>
+            </a:r>
+            <a:r>
+              <a:rPr lang="en-US" dirty="0"/>
+              <a:t> = function(){ } //anonymous</a:t>
+            </a:r>
+          </a:p>
+          <a:p>
+            <a:endParaRPr lang="en-US" dirty="0"/>
+          </a:p>
+          <a:p>
+            <a:pPr marL="0" indent="0">
+              <a:buNone/>
+            </a:pPr>
+            <a:r>
+              <a:rPr lang="en-US" dirty="0"/>
+              <a:t>            let square=function(n){return n*n}</a:t>
+            </a:r>
+          </a:p>
+          <a:p>
+            <a:endParaRPr lang="en-US" dirty="0"/>
+          </a:p>
+          <a:p>
+            <a:pPr marL="0" indent="0">
+              <a:buNone/>
+            </a:pPr>
+            <a:r>
+              <a:rPr lang="en-US" dirty="0"/>
+              <a:t>            let add=function(</a:t>
+            </a:r>
+            <a:r>
+              <a:rPr lang="en-US" dirty="0" err="1"/>
+              <a:t>a,b</a:t>
+            </a:r>
+            <a:r>
+              <a:rPr lang="en-US" dirty="0"/>
+              <a:t>){ return </a:t>
+            </a:r>
+            <a:r>
+              <a:rPr lang="en-US" dirty="0" err="1"/>
+              <a:t>a+b</a:t>
+            </a:r>
+            <a:r>
+              <a:rPr lang="en-US" dirty="0"/>
+              <a:t> }</a:t>
+            </a:r>
+          </a:p>
+          <a:p>
+            <a:endParaRPr lang="en-US" dirty="0"/>
+          </a:p>
+          <a:p>
+            <a:pPr marL="0" indent="0">
+              <a:buNone/>
+            </a:pPr>
+            <a:r>
+              <a:rPr lang="en-US" dirty="0"/>
+              <a:t>            </a:t>
+            </a:r>
+            <a:r>
+              <a:rPr lang="en-US" dirty="0" err="1"/>
+              <a:t>noop</a:t>
+            </a:r>
+            <a:r>
+              <a:rPr lang="en-US" dirty="0"/>
+              <a:t>();</a:t>
+            </a:r>
+          </a:p>
+          <a:p>
+            <a:pPr marL="0" indent="0">
+              <a:buNone/>
+            </a:pPr>
+            <a:r>
+              <a:rPr lang="en-US" dirty="0"/>
+              <a:t>            square(5);</a:t>
+            </a:r>
+          </a:p>
+          <a:p>
+            <a:pPr marL="0" indent="0">
+              <a:buNone/>
+            </a:pPr>
+            <a:r>
+              <a:rPr lang="en-US" dirty="0"/>
+              <a:t>            add(3,5);</a:t>
+            </a:r>
+          </a:p>
+          <a:p>
+            <a:endParaRPr lang="en-US" dirty="0"/>
+          </a:p>
+          <a:p>
+            <a:endParaRPr lang="en-US" dirty="0"/>
+          </a:p>
+        </p:txBody>
+      </p:sp>
+    </p:spTree>
+    <p:extLst>
+      <p:ext uri="{BB962C8B-B14F-4D97-AF65-F5344CB8AC3E}">
+        <p14:creationId xmlns:p14="http://schemas.microsoft.com/office/powerpoint/2010/main" val="906757132"/>
       </p:ext>
     </p:extLst>
   </p:cSld>

--- a/JavaScript/Week2/Week 2.pptx
+++ b/JavaScript/Week2/Week 2.pptx
@@ -147,7 +147,7 @@
   <pc:docChgLst>
     <pc:chgData name="Noman  Atique" userId="aab35d70-e8e0-4a76-8862-eddb3a1d4775" providerId="ADAL" clId="{1203C51A-BFB2-4964-A0FC-3B7B88F74C40}"/>
     <pc:docChg chg="undo redo custSel addSld modSld">
-      <pc:chgData name="Noman  Atique" userId="aab35d70-e8e0-4a76-8862-eddb3a1d4775" providerId="ADAL" clId="{1203C51A-BFB2-4964-A0FC-3B7B88F74C40}" dt="2024-09-09T04:08:33.295" v="1964"/>
+      <pc:chgData name="Noman  Atique" userId="aab35d70-e8e0-4a76-8862-eddb3a1d4775" providerId="ADAL" clId="{1203C51A-BFB2-4964-A0FC-3B7B88F74C40}" dt="2024-09-11T15:38:06.626" v="2091" actId="20577"/>
       <pc:docMkLst>
         <pc:docMk/>
       </pc:docMkLst>
@@ -576,6 +576,51 @@
           </ac:spMkLst>
         </pc:spChg>
       </pc:sldChg>
+      <pc:sldChg chg="modSp mod">
+        <pc:chgData name="Noman  Atique" userId="aab35d70-e8e0-4a76-8862-eddb3a1d4775" providerId="ADAL" clId="{1203C51A-BFB2-4964-A0FC-3B7B88F74C40}" dt="2024-09-11T15:35:02.927" v="2058" actId="20577"/>
+        <pc:sldMkLst>
+          <pc:docMk/>
+          <pc:sldMk cId="584018342" sldId="274"/>
+        </pc:sldMkLst>
+        <pc:spChg chg="mod">
+          <ac:chgData name="Noman  Atique" userId="aab35d70-e8e0-4a76-8862-eddb3a1d4775" providerId="ADAL" clId="{1203C51A-BFB2-4964-A0FC-3B7B88F74C40}" dt="2024-09-11T15:35:02.927" v="2058" actId="20577"/>
+          <ac:spMkLst>
+            <pc:docMk/>
+            <pc:sldMk cId="584018342" sldId="274"/>
+            <ac:spMk id="3" creationId="{52889044-35BE-0247-7E27-D31C772B4941}"/>
+          </ac:spMkLst>
+        </pc:spChg>
+      </pc:sldChg>
+      <pc:sldChg chg="modSp mod">
+        <pc:chgData name="Noman  Atique" userId="aab35d70-e8e0-4a76-8862-eddb3a1d4775" providerId="ADAL" clId="{1203C51A-BFB2-4964-A0FC-3B7B88F74C40}" dt="2024-09-11T15:36:07.187" v="2075" actId="20577"/>
+        <pc:sldMkLst>
+          <pc:docMk/>
+          <pc:sldMk cId="3353278895" sldId="275"/>
+        </pc:sldMkLst>
+        <pc:spChg chg="mod">
+          <ac:chgData name="Noman  Atique" userId="aab35d70-e8e0-4a76-8862-eddb3a1d4775" providerId="ADAL" clId="{1203C51A-BFB2-4964-A0FC-3B7B88F74C40}" dt="2024-09-11T15:36:07.187" v="2075" actId="20577"/>
+          <ac:spMkLst>
+            <pc:docMk/>
+            <pc:sldMk cId="3353278895" sldId="275"/>
+            <ac:spMk id="3" creationId="{C1DF1574-0F69-426E-9419-882E6D33AC0D}"/>
+          </ac:spMkLst>
+        </pc:spChg>
+      </pc:sldChg>
+      <pc:sldChg chg="modSp mod">
+        <pc:chgData name="Noman  Atique" userId="aab35d70-e8e0-4a76-8862-eddb3a1d4775" providerId="ADAL" clId="{1203C51A-BFB2-4964-A0FC-3B7B88F74C40}" dt="2024-09-11T15:38:06.626" v="2091" actId="20577"/>
+        <pc:sldMkLst>
+          <pc:docMk/>
+          <pc:sldMk cId="1610235720" sldId="276"/>
+        </pc:sldMkLst>
+        <pc:spChg chg="mod">
+          <ac:chgData name="Noman  Atique" userId="aab35d70-e8e0-4a76-8862-eddb3a1d4775" providerId="ADAL" clId="{1203C51A-BFB2-4964-A0FC-3B7B88F74C40}" dt="2024-09-11T15:38:06.626" v="2091" actId="20577"/>
+          <ac:spMkLst>
+            <pc:docMk/>
+            <pc:sldMk cId="1610235720" sldId="276"/>
+            <ac:spMk id="3" creationId="{84F3BDED-8F3A-72CA-1A47-00E187222333}"/>
+          </ac:spMkLst>
+        </pc:spChg>
+      </pc:sldChg>
     </pc:docChg>
   </pc:docChgLst>
 </pc:chgInfo>
@@ -712,7 +757,7 @@
           <a:p>
             <a:fld id="{F28A4246-F2A7-4220-A405-8A96DAE08D6A}" type="datetimeFigureOut">
               <a:rPr lang="en-US" smtClean="0"/>
-              <a:t>9/10/2024</a:t>
+              <a:t>9/11/2024</a:t>
             </a:fld>
             <a:endParaRPr lang="en-US"/>
           </a:p>
@@ -882,7 +927,7 @@
           <a:p>
             <a:fld id="{F28A4246-F2A7-4220-A405-8A96DAE08D6A}" type="datetimeFigureOut">
               <a:rPr lang="en-US" smtClean="0"/>
-              <a:t>9/10/2024</a:t>
+              <a:t>9/11/2024</a:t>
             </a:fld>
             <a:endParaRPr lang="en-US"/>
           </a:p>
@@ -1062,7 +1107,7 @@
           <a:p>
             <a:fld id="{F28A4246-F2A7-4220-A405-8A96DAE08D6A}" type="datetimeFigureOut">
               <a:rPr lang="en-US" smtClean="0"/>
-              <a:t>9/10/2024</a:t>
+              <a:t>9/11/2024</a:t>
             </a:fld>
             <a:endParaRPr lang="en-US"/>
           </a:p>
@@ -1232,7 +1277,7 @@
           <a:p>
             <a:fld id="{F28A4246-F2A7-4220-A405-8A96DAE08D6A}" type="datetimeFigureOut">
               <a:rPr lang="en-US" smtClean="0"/>
-              <a:t>9/10/2024</a:t>
+              <a:t>9/11/2024</a:t>
             </a:fld>
             <a:endParaRPr lang="en-US"/>
           </a:p>
@@ -1478,7 +1523,7 @@
           <a:p>
             <a:fld id="{F28A4246-F2A7-4220-A405-8A96DAE08D6A}" type="datetimeFigureOut">
               <a:rPr lang="en-US" smtClean="0"/>
-              <a:t>9/10/2024</a:t>
+              <a:t>9/11/2024</a:t>
             </a:fld>
             <a:endParaRPr lang="en-US"/>
           </a:p>
@@ -1710,7 +1755,7 @@
           <a:p>
             <a:fld id="{F28A4246-F2A7-4220-A405-8A96DAE08D6A}" type="datetimeFigureOut">
               <a:rPr lang="en-US" smtClean="0"/>
-              <a:t>9/10/2024</a:t>
+              <a:t>9/11/2024</a:t>
             </a:fld>
             <a:endParaRPr lang="en-US"/>
           </a:p>
@@ -2077,7 +2122,7 @@
           <a:p>
             <a:fld id="{F28A4246-F2A7-4220-A405-8A96DAE08D6A}" type="datetimeFigureOut">
               <a:rPr lang="en-US" smtClean="0"/>
-              <a:t>9/10/2024</a:t>
+              <a:t>9/11/2024</a:t>
             </a:fld>
             <a:endParaRPr lang="en-US"/>
           </a:p>
@@ -2195,7 +2240,7 @@
           <a:p>
             <a:fld id="{F28A4246-F2A7-4220-A405-8A96DAE08D6A}" type="datetimeFigureOut">
               <a:rPr lang="en-US" smtClean="0"/>
-              <a:t>9/10/2024</a:t>
+              <a:t>9/11/2024</a:t>
             </a:fld>
             <a:endParaRPr lang="en-US"/>
           </a:p>
@@ -2290,7 +2335,7 @@
           <a:p>
             <a:fld id="{F28A4246-F2A7-4220-A405-8A96DAE08D6A}" type="datetimeFigureOut">
               <a:rPr lang="en-US" smtClean="0"/>
-              <a:t>9/10/2024</a:t>
+              <a:t>9/11/2024</a:t>
             </a:fld>
             <a:endParaRPr lang="en-US"/>
           </a:p>
@@ -2567,7 +2612,7 @@
           <a:p>
             <a:fld id="{F28A4246-F2A7-4220-A405-8A96DAE08D6A}" type="datetimeFigureOut">
               <a:rPr lang="en-US" smtClean="0"/>
-              <a:t>9/10/2024</a:t>
+              <a:t>9/11/2024</a:t>
             </a:fld>
             <a:endParaRPr lang="en-US"/>
           </a:p>
@@ -2824,7 +2869,7 @@
           <a:p>
             <a:fld id="{F28A4246-F2A7-4220-A405-8A96DAE08D6A}" type="datetimeFigureOut">
               <a:rPr lang="en-US" smtClean="0"/>
-              <a:t>9/10/2024</a:t>
+              <a:t>9/11/2024</a:t>
             </a:fld>
             <a:endParaRPr lang="en-US"/>
           </a:p>
@@ -3037,7 +3082,7 @@
           <a:p>
             <a:fld id="{F28A4246-F2A7-4220-A405-8A96DAE08D6A}" type="datetimeFigureOut">
               <a:rPr lang="en-US" smtClean="0"/>
-              <a:t>9/10/2024</a:t>
+              <a:t>9/11/2024</a:t>
             </a:fld>
             <a:endParaRPr lang="en-US"/>
           </a:p>
@@ -4711,13 +4756,13 @@
         </p:nvSpPr>
         <p:spPr>
           <a:xfrm>
-            <a:off x="838200" y="1825625"/>
-            <a:ext cx="10515600" cy="5234742"/>
+            <a:off x="838200" y="1319134"/>
+            <a:ext cx="10515600" cy="5741233"/>
           </a:xfrm>
         </p:spPr>
         <p:txBody>
           <a:bodyPr>
-            <a:normAutofit fontScale="92500" lnSpcReduction="20000"/>
+            <a:normAutofit fontScale="85000" lnSpcReduction="20000"/>
           </a:bodyPr>
           <a:lstStyle/>
           <a:p>
@@ -4739,42 +4784,9 @@
             <a:pPr marL="0" indent="0">
               <a:buNone/>
             </a:pPr>
-            <a:endParaRPr lang="en-US" dirty="0"/>
-          </a:p>
-          <a:p>
-            <a:pPr marL="0" indent="0">
-              <a:buNone/>
-            </a:pPr>
-            <a:r>
-              <a:rPr lang="en-US" dirty="0"/>
-              <a:t>Syntax of Functions:</a:t>
-            </a:r>
-          </a:p>
-          <a:p>
-            <a:pPr marL="0" indent="0">
-              <a:buNone/>
-            </a:pPr>
-            <a:r>
-              <a:rPr lang="en-US" dirty="0"/>
-              <a:t>        Functions can take values(i.e., arguments) and may return a value.</a:t>
-            </a:r>
-          </a:p>
-          <a:p>
-            <a:pPr marL="0" indent="0">
-              <a:buNone/>
-            </a:pPr>
-            <a:r>
-              <a:rPr lang="en-US" dirty="0"/>
-              <a:t>            add NOT A FUNCTION...</a:t>
-            </a:r>
-          </a:p>
-          <a:p>
-            <a:pPr marL="0" indent="0">
-              <a:buNone/>
-            </a:pPr>
-            <a:r>
-              <a:rPr lang="en-US" dirty="0"/>
-              <a:t>            add( )</a:t>
+            <a:r>
+              <a:rPr lang="en-US" dirty="0"/>
+              <a:t>Functions are the most imperative part of JS programming.</a:t>
             </a:r>
           </a:p>
           <a:p>
@@ -4787,10 +4799,7 @@
             <a:pPr marL="0" indent="0">
               <a:buNone/>
             </a:pPr>
-            <a:r>
-              <a:rPr lang="en-US" dirty="0"/>
-              <a:t>            juicer(apples)</a:t>
-            </a:r>
+            <a:endParaRPr lang="en-US" dirty="0"/>
           </a:p>
           <a:p>
             <a:pPr marL="0" indent="0">
@@ -4798,7 +4807,58 @@
             </a:pPr>
             <a:r>
               <a:rPr lang="en-US" dirty="0"/>
-              <a:t>             c add(</a:t>
+              <a:t>Syntax of Functions:</a:t>
+            </a:r>
+          </a:p>
+          <a:p>
+            <a:pPr marL="0" indent="0">
+              <a:buNone/>
+            </a:pPr>
+            <a:r>
+              <a:rPr lang="en-US" dirty="0"/>
+              <a:t>        Functions can take values(i.e., arguments) and may return a value.</a:t>
+            </a:r>
+          </a:p>
+          <a:p>
+            <a:pPr marL="0" indent="0">
+              <a:buNone/>
+            </a:pPr>
+            <a:r>
+              <a:rPr lang="en-US" dirty="0"/>
+              <a:t>            add          NOT A FUNCTION...</a:t>
+            </a:r>
+          </a:p>
+          <a:p>
+            <a:pPr marL="0" indent="0">
+              <a:buNone/>
+            </a:pPr>
+            <a:r>
+              <a:rPr lang="en-US" dirty="0"/>
+              <a:t>            add( )</a:t>
+            </a:r>
+          </a:p>
+          <a:p>
+            <a:pPr marL="0" indent="0">
+              <a:buNone/>
+            </a:pPr>
+            <a:endParaRPr lang="en-US" dirty="0"/>
+          </a:p>
+          <a:p>
+            <a:pPr marL="0" indent="0">
+              <a:buNone/>
+            </a:pPr>
+            <a:r>
+              <a:rPr lang="en-US" dirty="0"/>
+              <a:t>           let juice =  juicer(apples)</a:t>
+            </a:r>
+          </a:p>
+          <a:p>
+            <a:pPr marL="0" indent="0">
+              <a:buNone/>
+            </a:pPr>
+            <a:r>
+              <a:rPr lang="en-US" dirty="0"/>
+              <a:t>             let c = add(</a:t>
             </a:r>
             <a:r>
               <a:rPr lang="en-US" dirty="0" err="1"/>
@@ -5076,15 +5136,21 @@
           <a:bodyPr/>
           <a:lstStyle/>
           <a:p>
+            <a:pPr marL="0" indent="0">
+              <a:buNone/>
+            </a:pPr>
             <a:r>
               <a:rPr lang="en-US" dirty="0"/>
               <a:t>Types of Functions in JavaScript:</a:t>
             </a:r>
           </a:p>
           <a:p>
-            <a:r>
-              <a:rPr lang="en-US" dirty="0"/>
-              <a:t>        </a:t>
+            <a:pPr marL="0" indent="0">
+              <a:buNone/>
+            </a:pPr>
+            <a:r>
+              <a:rPr lang="en-US" dirty="0"/>
+              <a:t>      </a:t>
             </a:r>
             <a:r>
               <a:rPr lang="en-US" dirty="0" err="1"/>
@@ -5096,9 +5162,12 @@
             </a:r>
           </a:p>
           <a:p>
-            <a:r>
-              <a:rPr lang="en-US" dirty="0"/>
-              <a:t>        ii) Pre-defined functions.</a:t>
+            <a:pPr marL="0" indent="0">
+              <a:buNone/>
+            </a:pPr>
+            <a:r>
+              <a:rPr lang="en-US" dirty="0"/>
+              <a:t>     ii) Pre-defined functions.</a:t>
             </a:r>
           </a:p>
           <a:p>
@@ -5200,7 +5269,7 @@
             </a:r>
             <a:r>
               <a:rPr lang="en-US" dirty="0"/>
-              <a:t>)Function Declarations</a:t>
+              <a:t>) Function Declarations</a:t>
             </a:r>
           </a:p>
           <a:p>
@@ -5209,7 +5278,7 @@
             </a:pPr>
             <a:r>
               <a:rPr lang="en-US" dirty="0"/>
-              <a:t>     ii)Function Expressions</a:t>
+              <a:t>     ii) Function Expressions</a:t>
             </a:r>
           </a:p>
           <a:p>
@@ -5218,8 +5287,13 @@
             </a:pPr>
             <a:r>
               <a:rPr lang="en-US" dirty="0"/>
-              <a:t>     iii) Arrow Functions </a:t>
-            </a:r>
+              <a:t>     iii) </a:t>
+            </a:r>
+            <a:r>
+              <a:rPr lang="en-US"/>
+              <a:t>Arrow Functions (ES5-ES6) </a:t>
+            </a:r>
+            <a:endParaRPr lang="en-US" dirty="0"/>
           </a:p>
           <a:p>
             <a:endParaRPr lang="en-US" dirty="0"/>

--- a/JavaScript/Week2/Week 2.pptx
+++ b/JavaScript/Week2/Week 2.pptx
@@ -26,8 +26,9 @@
     <p:sldId id="274" r:id="rId20"/>
     <p:sldId id="275" r:id="rId21"/>
     <p:sldId id="276" r:id="rId22"/>
-    <p:sldId id="277" r:id="rId23"/>
-    <p:sldId id="278" r:id="rId24"/>
+    <p:sldId id="279" r:id="rId23"/>
+    <p:sldId id="277" r:id="rId24"/>
+    <p:sldId id="278" r:id="rId25"/>
   </p:sldIdLst>
   <p:sldSz cx="12192000" cy="6858000"/>
   <p:notesSz cx="6858000" cy="9144000"/>
@@ -757,7 +758,7 @@
           <a:p>
             <a:fld id="{F28A4246-F2A7-4220-A405-8A96DAE08D6A}" type="datetimeFigureOut">
               <a:rPr lang="en-US" smtClean="0"/>
-              <a:t>9/11/2024</a:t>
+              <a:t>9/16/2024</a:t>
             </a:fld>
             <a:endParaRPr lang="en-US"/>
           </a:p>
@@ -927,7 +928,7 @@
           <a:p>
             <a:fld id="{F28A4246-F2A7-4220-A405-8A96DAE08D6A}" type="datetimeFigureOut">
               <a:rPr lang="en-US" smtClean="0"/>
-              <a:t>9/11/2024</a:t>
+              <a:t>9/16/2024</a:t>
             </a:fld>
             <a:endParaRPr lang="en-US"/>
           </a:p>
@@ -1107,7 +1108,7 @@
           <a:p>
             <a:fld id="{F28A4246-F2A7-4220-A405-8A96DAE08D6A}" type="datetimeFigureOut">
               <a:rPr lang="en-US" smtClean="0"/>
-              <a:t>9/11/2024</a:t>
+              <a:t>9/16/2024</a:t>
             </a:fld>
             <a:endParaRPr lang="en-US"/>
           </a:p>
@@ -1277,7 +1278,7 @@
           <a:p>
             <a:fld id="{F28A4246-F2A7-4220-A405-8A96DAE08D6A}" type="datetimeFigureOut">
               <a:rPr lang="en-US" smtClean="0"/>
-              <a:t>9/11/2024</a:t>
+              <a:t>9/16/2024</a:t>
             </a:fld>
             <a:endParaRPr lang="en-US"/>
           </a:p>
@@ -1523,7 +1524,7 @@
           <a:p>
             <a:fld id="{F28A4246-F2A7-4220-A405-8A96DAE08D6A}" type="datetimeFigureOut">
               <a:rPr lang="en-US" smtClean="0"/>
-              <a:t>9/11/2024</a:t>
+              <a:t>9/16/2024</a:t>
             </a:fld>
             <a:endParaRPr lang="en-US"/>
           </a:p>
@@ -1755,7 +1756,7 @@
           <a:p>
             <a:fld id="{F28A4246-F2A7-4220-A405-8A96DAE08D6A}" type="datetimeFigureOut">
               <a:rPr lang="en-US" smtClean="0"/>
-              <a:t>9/11/2024</a:t>
+              <a:t>9/16/2024</a:t>
             </a:fld>
             <a:endParaRPr lang="en-US"/>
           </a:p>
@@ -2122,7 +2123,7 @@
           <a:p>
             <a:fld id="{F28A4246-F2A7-4220-A405-8A96DAE08D6A}" type="datetimeFigureOut">
               <a:rPr lang="en-US" smtClean="0"/>
-              <a:t>9/11/2024</a:t>
+              <a:t>9/16/2024</a:t>
             </a:fld>
             <a:endParaRPr lang="en-US"/>
           </a:p>
@@ -2240,7 +2241,7 @@
           <a:p>
             <a:fld id="{F28A4246-F2A7-4220-A405-8A96DAE08D6A}" type="datetimeFigureOut">
               <a:rPr lang="en-US" smtClean="0"/>
-              <a:t>9/11/2024</a:t>
+              <a:t>9/16/2024</a:t>
             </a:fld>
             <a:endParaRPr lang="en-US"/>
           </a:p>
@@ -2335,7 +2336,7 @@
           <a:p>
             <a:fld id="{F28A4246-F2A7-4220-A405-8A96DAE08D6A}" type="datetimeFigureOut">
               <a:rPr lang="en-US" smtClean="0"/>
-              <a:t>9/11/2024</a:t>
+              <a:t>9/16/2024</a:t>
             </a:fld>
             <a:endParaRPr lang="en-US"/>
           </a:p>
@@ -2612,7 +2613,7 @@
           <a:p>
             <a:fld id="{F28A4246-F2A7-4220-A405-8A96DAE08D6A}" type="datetimeFigureOut">
               <a:rPr lang="en-US" smtClean="0"/>
-              <a:t>9/11/2024</a:t>
+              <a:t>9/16/2024</a:t>
             </a:fld>
             <a:endParaRPr lang="en-US"/>
           </a:p>
@@ -2869,7 +2870,7 @@
           <a:p>
             <a:fld id="{F28A4246-F2A7-4220-A405-8A96DAE08D6A}" type="datetimeFigureOut">
               <a:rPr lang="en-US" smtClean="0"/>
-              <a:t>9/11/2024</a:t>
+              <a:t>9/16/2024</a:t>
             </a:fld>
             <a:endParaRPr lang="en-US"/>
           </a:p>
@@ -3082,7 +3083,7 @@
           <a:p>
             <a:fld id="{F28A4246-F2A7-4220-A405-8A96DAE08D6A}" type="datetimeFigureOut">
               <a:rPr lang="en-US" smtClean="0"/>
-              <a:t>9/11/2024</a:t>
+              <a:t>9/16/2024</a:t>
             </a:fld>
             <a:endParaRPr lang="en-US"/>
           </a:p>
@@ -5338,6 +5339,86 @@
           <p:cNvPr id="2" name="Title 1">
             <a:extLst>
               <a:ext uri="{FF2B5EF4-FFF2-40B4-BE49-F238E27FC236}">
+                <a16:creationId xmlns:a16="http://schemas.microsoft.com/office/drawing/2014/main" id="{5F5131C9-6DB0-0C36-BD3F-D4A7C97BA9E0}"/>
+              </a:ext>
+            </a:extLst>
+          </p:cNvPr>
+          <p:cNvSpPr>
+            <a:spLocks noGrp="1"/>
+          </p:cNvSpPr>
+          <p:nvPr>
+            <p:ph type="title"/>
+          </p:nvPr>
+        </p:nvSpPr>
+        <p:spPr/>
+        <p:txBody>
+          <a:bodyPr/>
+          <a:lstStyle/>
+          <a:p>
+            <a:endParaRPr lang="en-US"/>
+          </a:p>
+        </p:txBody>
+      </p:sp>
+      <p:sp>
+        <p:nvSpPr>
+          <p:cNvPr id="3" name="Content Placeholder 2">
+            <a:extLst>
+              <a:ext uri="{FF2B5EF4-FFF2-40B4-BE49-F238E27FC236}">
+                <a16:creationId xmlns:a16="http://schemas.microsoft.com/office/drawing/2014/main" id="{B0363946-EB75-971B-460E-71A01D278FBC}"/>
+              </a:ext>
+            </a:extLst>
+          </p:cNvPr>
+          <p:cNvSpPr>
+            <a:spLocks noGrp="1"/>
+          </p:cNvSpPr>
+          <p:nvPr>
+            <p:ph idx="1"/>
+          </p:nvPr>
+        </p:nvSpPr>
+        <p:spPr/>
+        <p:txBody>
+          <a:bodyPr/>
+          <a:lstStyle/>
+          <a:p>
+            <a:endParaRPr lang="en-US"/>
+          </a:p>
+        </p:txBody>
+      </p:sp>
+    </p:spTree>
+    <p:extLst>
+      <p:ext uri="{BB962C8B-B14F-4D97-AF65-F5344CB8AC3E}">
+        <p14:creationId xmlns:p14="http://schemas.microsoft.com/office/powerpoint/2010/main" val="3053506963"/>
+      </p:ext>
+    </p:extLst>
+  </p:cSld>
+  <p:clrMapOvr>
+    <a:masterClrMapping/>
+  </p:clrMapOvr>
+</p:sld>
+</file>
+
+<file path=ppt/slides/slide23.xml><?xml version="1.0" encoding="utf-8"?>
+<p:sld xmlns:a="http://schemas.openxmlformats.org/drawingml/2006/main" xmlns:r="http://schemas.openxmlformats.org/officeDocument/2006/relationships" xmlns:p="http://schemas.openxmlformats.org/presentationml/2006/main">
+  <p:cSld>
+    <p:spTree>
+      <p:nvGrpSpPr>
+        <p:cNvPr id="1" name=""/>
+        <p:cNvGrpSpPr/>
+        <p:nvPr/>
+      </p:nvGrpSpPr>
+      <p:grpSpPr>
+        <a:xfrm>
+          <a:off x="0" y="0"/>
+          <a:ext cx="0" cy="0"/>
+          <a:chOff x="0" y="0"/>
+          <a:chExt cx="0" cy="0"/>
+        </a:xfrm>
+      </p:grpSpPr>
+      <p:sp>
+        <p:nvSpPr>
+          <p:cNvPr id="2" name="Title 1">
+            <a:extLst>
+              <a:ext uri="{FF2B5EF4-FFF2-40B4-BE49-F238E27FC236}">
                 <a16:creationId xmlns:a16="http://schemas.microsoft.com/office/drawing/2014/main" id="{2435461A-1206-6847-9D7B-6C040F764DF1}"/>
               </a:ext>
             </a:extLst>
@@ -5513,7 +5594,7 @@
 </p:sld>
 </file>
 
-<file path=ppt/slides/slide23.xml><?xml version="1.0" encoding="utf-8"?>
+<file path=ppt/slides/slide24.xml><?xml version="1.0" encoding="utf-8"?>
 <p:sld xmlns:a="http://schemas.openxmlformats.org/drawingml/2006/main" xmlns:r="http://schemas.openxmlformats.org/officeDocument/2006/relationships" xmlns:p="http://schemas.openxmlformats.org/presentationml/2006/main">
   <p:cSld>
     <p:spTree>
